--- a/UsingYourModels/DL-KCDC.pptx
+++ b/UsingYourModels/DL-KCDC.pptx
@@ -5968,7 +5968,7 @@
                   <a:srgbClr val="FF0000"/>
                 </a:solidFill>
               </a:rPr>
-              <a:t>CreateTFLite.ipynb</a:t>
+              <a:t>CreateTFJS.ipynb</a:t>
             </a:r>
             <a:endParaRPr lang="en-US" dirty="0">
               <a:solidFill>

--- a/UsingYourModels/DL-KCDC.pptx
+++ b/UsingYourModels/DL-KCDC.pptx
@@ -5,7 +5,7 @@
     <p:sldMasterId id="2147483648" r:id="rId1"/>
   </p:sldMasterIdLst>
   <p:notesMasterIdLst>
-    <p:notesMasterId r:id="rId16"/>
+    <p:notesMasterId r:id="rId19"/>
   </p:notesMasterIdLst>
   <p:sldIdLst>
     <p:sldId id="270" r:id="rId2"/>
@@ -17,11 +17,14 @@
     <p:sldId id="310" r:id="rId8"/>
     <p:sldId id="307" r:id="rId9"/>
     <p:sldId id="308" r:id="rId10"/>
-    <p:sldId id="311" r:id="rId11"/>
-    <p:sldId id="312" r:id="rId12"/>
-    <p:sldId id="288" r:id="rId13"/>
-    <p:sldId id="274" r:id="rId14"/>
-    <p:sldId id="282" r:id="rId15"/>
+    <p:sldId id="313" r:id="rId11"/>
+    <p:sldId id="314" r:id="rId12"/>
+    <p:sldId id="315" r:id="rId13"/>
+    <p:sldId id="311" r:id="rId14"/>
+    <p:sldId id="312" r:id="rId15"/>
+    <p:sldId id="288" r:id="rId16"/>
+    <p:sldId id="274" r:id="rId17"/>
+    <p:sldId id="282" r:id="rId18"/>
   </p:sldIdLst>
   <p:sldSz cx="12192000" cy="6858000"/>
   <p:notesSz cx="6858000" cy="9144000"/>
@@ -4129,7 +4132,7 @@
                   </a:schemeClr>
                 </a:solidFill>
               </a:rPr>
-              <a:t>Google Cloud Deployment</a:t>
+              <a:t>Android Deployment cont.</a:t>
             </a:r>
           </a:p>
         </p:txBody>
@@ -4165,10 +4168,109 @@
                   </a:schemeClr>
                 </a:solidFill>
               </a:rPr>
-              <a:t>Step by step guide</a:t>
-            </a:r>
-          </a:p>
-          <a:p>
+              <a:t>Add </a:t>
+            </a:r>
+            <a:r>
+              <a:rPr lang="en-US" dirty="0" err="1">
+                <a:solidFill>
+                  <a:schemeClr val="accent5">
+                    <a:lumMod val="50000"/>
+                  </a:schemeClr>
+                </a:solidFill>
+              </a:rPr>
+              <a:t>CtoF_Model.tflite</a:t>
+            </a:r>
+            <a:r>
+              <a:rPr lang="en-US" dirty="0">
+                <a:solidFill>
+                  <a:schemeClr val="accent5">
+                    <a:lumMod val="50000"/>
+                  </a:schemeClr>
+                </a:solidFill>
+              </a:rPr>
+              <a:t> as Asset</a:t>
+            </a:r>
+          </a:p>
+          <a:p>
+            <a:pPr lvl="1"/>
+            <a:r>
+              <a:rPr lang="en-US" dirty="0">
+                <a:solidFill>
+                  <a:schemeClr val="accent5">
+                    <a:lumMod val="50000"/>
+                  </a:schemeClr>
+                </a:solidFill>
+              </a:rPr>
+              <a:t>app -&gt; New -&gt; Folder -&gt; Assets folder</a:t>
+            </a:r>
+          </a:p>
+          <a:p>
+            <a:pPr lvl="1"/>
+            <a:r>
+              <a:rPr lang="en-US" dirty="0">
+                <a:solidFill>
+                  <a:schemeClr val="accent5">
+                    <a:lumMod val="50000"/>
+                  </a:schemeClr>
+                </a:solidFill>
+              </a:rPr>
+              <a:t>Copy ‘</a:t>
+            </a:r>
+            <a:r>
+              <a:rPr lang="en-US" dirty="0" err="1">
+                <a:solidFill>
+                  <a:schemeClr val="accent5">
+                    <a:lumMod val="50000"/>
+                  </a:schemeClr>
+                </a:solidFill>
+              </a:rPr>
+              <a:t>CtoF_Model.tflite</a:t>
+            </a:r>
+            <a:r>
+              <a:rPr lang="en-US" dirty="0">
+                <a:solidFill>
+                  <a:schemeClr val="accent5">
+                    <a:lumMod val="50000"/>
+                  </a:schemeClr>
+                </a:solidFill>
+              </a:rPr>
+              <a:t>’ to Assets</a:t>
+            </a:r>
+          </a:p>
+          <a:p>
+            <a:r>
+              <a:rPr lang="en-US" dirty="0">
+                <a:solidFill>
+                  <a:schemeClr val="accent5">
+                    <a:lumMod val="50000"/>
+                  </a:schemeClr>
+                </a:solidFill>
+              </a:rPr>
+              <a:t>Don’t compress the model</a:t>
+            </a:r>
+          </a:p>
+          <a:p>
+            <a:pPr lvl="1"/>
+            <a:r>
+              <a:rPr lang="en-US" dirty="0">
+                <a:solidFill>
+                  <a:schemeClr val="accent5">
+                    <a:lumMod val="50000"/>
+                  </a:schemeClr>
+                </a:solidFill>
+              </a:rPr>
+              <a:t>app -&gt; </a:t>
+            </a:r>
+            <a:r>
+              <a:rPr lang="en-US" dirty="0" err="1">
+                <a:solidFill>
+                  <a:schemeClr val="accent5">
+                    <a:lumMod val="50000"/>
+                  </a:schemeClr>
+                </a:solidFill>
+              </a:rPr>
+              <a:t>build.gradle</a:t>
+            </a:r>
             <a:endParaRPr lang="en-US" dirty="0">
               <a:solidFill>
                 <a:schemeClr val="accent5">
@@ -4177,12 +4279,162 @@
               </a:solidFill>
             </a:endParaRPr>
           </a:p>
+          <a:p>
+            <a:pPr lvl="1"/>
+            <a:r>
+              <a:rPr lang="en-US" dirty="0">
+                <a:solidFill>
+                  <a:schemeClr val="accent5">
+                    <a:lumMod val="50000"/>
+                  </a:schemeClr>
+                </a:solidFill>
+              </a:rPr>
+              <a:t>Add “</a:t>
+            </a:r>
+            <a:r>
+              <a:rPr lang="en-US" dirty="0" err="1">
+                <a:solidFill>
+                  <a:schemeClr val="accent5">
+                    <a:lumMod val="50000"/>
+                  </a:schemeClr>
+                </a:solidFill>
+              </a:rPr>
+              <a:t>aaptOptions</a:t>
+            </a:r>
+            <a:r>
+              <a:rPr lang="en-US" dirty="0">
+                <a:solidFill>
+                  <a:schemeClr val="accent5">
+                    <a:lumMod val="50000"/>
+                  </a:schemeClr>
+                </a:solidFill>
+              </a:rPr>
+              <a:t>”</a:t>
+            </a:r>
+          </a:p>
+          <a:p>
+            <a:pPr lvl="2"/>
+            <a:r>
+              <a:rPr lang="en-US" dirty="0" err="1">
+                <a:solidFill>
+                  <a:schemeClr val="accent5">
+                    <a:lumMod val="50000"/>
+                  </a:schemeClr>
+                </a:solidFill>
+              </a:rPr>
+              <a:t>noCompress</a:t>
+            </a:r>
+            <a:r>
+              <a:rPr lang="en-US" dirty="0">
+                <a:solidFill>
+                  <a:schemeClr val="accent5">
+                    <a:lumMod val="50000"/>
+                  </a:schemeClr>
+                </a:solidFill>
+              </a:rPr>
+              <a:t> “</a:t>
+            </a:r>
+            <a:r>
+              <a:rPr lang="en-US" dirty="0" err="1">
+                <a:solidFill>
+                  <a:schemeClr val="accent5">
+                    <a:lumMod val="50000"/>
+                  </a:schemeClr>
+                </a:solidFill>
+              </a:rPr>
+              <a:t>tflite</a:t>
+            </a:r>
+            <a:r>
+              <a:rPr lang="en-US" dirty="0">
+                <a:solidFill>
+                  <a:schemeClr val="accent5">
+                    <a:lumMod val="50000"/>
+                  </a:schemeClr>
+                </a:solidFill>
+              </a:rPr>
+              <a:t>” </a:t>
+            </a:r>
+          </a:p>
+          <a:p>
+            <a:r>
+              <a:rPr lang="en-US" dirty="0">
+                <a:solidFill>
+                  <a:schemeClr val="accent5">
+                    <a:lumMod val="50000"/>
+                  </a:schemeClr>
+                </a:solidFill>
+              </a:rPr>
+              <a:t>Add </a:t>
+            </a:r>
+            <a:r>
+              <a:rPr lang="en-US" dirty="0" err="1">
+                <a:solidFill>
+                  <a:schemeClr val="accent5">
+                    <a:lumMod val="50000"/>
+                  </a:schemeClr>
+                </a:solidFill>
+              </a:rPr>
+              <a:t>tensorflow</a:t>
+            </a:r>
+            <a:r>
+              <a:rPr lang="en-US" dirty="0">
+                <a:solidFill>
+                  <a:schemeClr val="accent5">
+                    <a:lumMod val="50000"/>
+                  </a:schemeClr>
+                </a:solidFill>
+              </a:rPr>
+              <a:t>-lite dependency</a:t>
+            </a:r>
+          </a:p>
+          <a:p>
+            <a:pPr lvl="1"/>
+            <a:r>
+              <a:rPr lang="en-US" dirty="0">
+                <a:solidFill>
+                  <a:schemeClr val="accent5">
+                    <a:lumMod val="50000"/>
+                  </a:schemeClr>
+                </a:solidFill>
+              </a:rPr>
+              <a:t>implementation '</a:t>
+            </a:r>
+            <a:r>
+              <a:rPr lang="en-US" dirty="0" err="1">
+                <a:solidFill>
+                  <a:schemeClr val="accent5">
+                    <a:lumMod val="50000"/>
+                  </a:schemeClr>
+                </a:solidFill>
+              </a:rPr>
+              <a:t>org.tensorflow:tensorflow-tflite</a:t>
+            </a:r>
+            <a:r>
+              <a:rPr lang="en-US" dirty="0">
+                <a:solidFill>
+                  <a:schemeClr val="accent5">
+                    <a:lumMod val="50000"/>
+                  </a:schemeClr>
+                </a:solidFill>
+              </a:rPr>
+              <a:t>'</a:t>
+            </a:r>
+          </a:p>
+          <a:p>
+            <a:endParaRPr lang="en-US" dirty="0">
+              <a:solidFill>
+                <a:schemeClr val="accent5">
+                  <a:lumMod val="50000"/>
+                </a:schemeClr>
+              </a:solidFill>
+            </a:endParaRPr>
+          </a:p>
         </p:txBody>
       </p:sp>
     </p:spTree>
     <p:extLst>
       <p:ext uri="{BB962C8B-B14F-4D97-AF65-F5344CB8AC3E}">
-        <p14:creationId xmlns:p14="http://schemas.microsoft.com/office/powerpoint/2010/main" val="227450761"/>
+        <p14:creationId xmlns:p14="http://schemas.microsoft.com/office/powerpoint/2010/main" val="2084896705"/>
       </p:ext>
     </p:extLst>
   </p:cSld>
@@ -4238,7 +4490,7 @@
                   </a:schemeClr>
                 </a:solidFill>
               </a:rPr>
-              <a:t>Microsoft Azure Deployment</a:t>
+              <a:t>Android Deployment cont.</a:t>
             </a:r>
           </a:p>
         </p:txBody>
@@ -4274,7 +4526,7 @@
                   </a:schemeClr>
                 </a:solidFill>
               </a:rPr>
-              <a:t>Step by step guide</a:t>
+              <a:t>Create File</a:t>
             </a:r>
           </a:p>
           <a:p>
@@ -4288,10 +4540,40 @@
           </a:p>
         </p:txBody>
       </p:sp>
+      <p:pic>
+        <p:nvPicPr>
+          <p:cNvPr id="5" name="Picture 4">
+            <a:extLst>
+              <a:ext uri="{FF2B5EF4-FFF2-40B4-BE49-F238E27FC236}">
+                <a16:creationId xmlns:a16="http://schemas.microsoft.com/office/drawing/2014/main" id="{CF09D842-156C-CD3D-67C7-72E902C9120C}"/>
+              </a:ext>
+            </a:extLst>
+          </p:cNvPr>
+          <p:cNvPicPr>
+            <a:picLocks noChangeAspect="1"/>
+          </p:cNvPicPr>
+          <p:nvPr/>
+        </p:nvPicPr>
+        <p:blipFill>
+          <a:blip r:embed="rId2"/>
+          <a:stretch>
+            <a:fillRect/>
+          </a:stretch>
+        </p:blipFill>
+        <p:spPr>
+          <a:xfrm>
+            <a:off x="3410464" y="1406077"/>
+            <a:ext cx="6594904" cy="5190434"/>
+          </a:xfrm>
+          <a:prstGeom prst="rect">
+            <a:avLst/>
+          </a:prstGeom>
+        </p:spPr>
+      </p:pic>
     </p:spTree>
     <p:extLst>
       <p:ext uri="{BB962C8B-B14F-4D97-AF65-F5344CB8AC3E}">
-        <p14:creationId xmlns:p14="http://schemas.microsoft.com/office/powerpoint/2010/main" val="2550126580"/>
+        <p14:creationId xmlns:p14="http://schemas.microsoft.com/office/powerpoint/2010/main" val="2371504350"/>
       </p:ext>
     </p:extLst>
   </p:cSld>
@@ -4347,7 +4629,7 @@
                   </a:schemeClr>
                 </a:solidFill>
               </a:rPr>
-              <a:t>Conclusion</a:t>
+              <a:t>Android Deployment cont.</a:t>
             </a:r>
           </a:p>
         </p:txBody>
@@ -4383,39 +4665,54 @@
                   </a:schemeClr>
                 </a:solidFill>
               </a:rPr>
-              <a:t>Create your pretrained model</a:t>
-            </a:r>
-          </a:p>
-          <a:p>
-            <a:r>
-              <a:rPr lang="en-US" dirty="0">
-                <a:solidFill>
-                  <a:schemeClr val="accent5">
-                    <a:lumMod val="50000"/>
-                  </a:schemeClr>
-                </a:solidFill>
-              </a:rPr>
-              <a:t>Convert your model to valid formats (TF.JS and TF Lite)</a:t>
-            </a:r>
-          </a:p>
-          <a:p>
-            <a:r>
-              <a:rPr lang="en-US" dirty="0">
-                <a:solidFill>
-                  <a:schemeClr val="accent5">
-                    <a:lumMod val="50000"/>
-                  </a:schemeClr>
-                </a:solidFill>
-              </a:rPr>
-              <a:t>Deploy full model to the clouds (Azure and Google)</a:t>
-            </a:r>
-          </a:p>
-        </p:txBody>
-      </p:sp>
+              <a:t>Run Interpreter</a:t>
+            </a:r>
+          </a:p>
+          <a:p>
+            <a:endParaRPr lang="en-US" dirty="0">
+              <a:solidFill>
+                <a:schemeClr val="accent5">
+                  <a:lumMod val="50000"/>
+                </a:schemeClr>
+              </a:solidFill>
+            </a:endParaRPr>
+          </a:p>
+        </p:txBody>
+      </p:sp>
+      <p:pic>
+        <p:nvPicPr>
+          <p:cNvPr id="6" name="Picture 5">
+            <a:extLst>
+              <a:ext uri="{FF2B5EF4-FFF2-40B4-BE49-F238E27FC236}">
+                <a16:creationId xmlns:a16="http://schemas.microsoft.com/office/drawing/2014/main" id="{2FBB2686-23E5-4E88-A05B-C37932DEB714}"/>
+              </a:ext>
+            </a:extLst>
+          </p:cNvPr>
+          <p:cNvPicPr>
+            <a:picLocks noChangeAspect="1"/>
+          </p:cNvPicPr>
+          <p:nvPr/>
+        </p:nvPicPr>
+        <p:blipFill>
+          <a:blip r:embed="rId2"/>
+          <a:stretch>
+            <a:fillRect/>
+          </a:stretch>
+        </p:blipFill>
+        <p:spPr>
+          <a:xfrm>
+            <a:off x="3882854" y="1572654"/>
+            <a:ext cx="6336184" cy="4708993"/>
+          </a:xfrm>
+          <a:prstGeom prst="rect">
+            <a:avLst/>
+          </a:prstGeom>
+        </p:spPr>
+      </p:pic>
     </p:spTree>
     <p:extLst>
       <p:ext uri="{BB962C8B-B14F-4D97-AF65-F5344CB8AC3E}">
-        <p14:creationId xmlns:p14="http://schemas.microsoft.com/office/powerpoint/2010/main" val="2148422421"/>
+        <p14:creationId xmlns:p14="http://schemas.microsoft.com/office/powerpoint/2010/main" val="1311338248"/>
       </p:ext>
     </p:extLst>
   </p:cSld>
@@ -4447,6 +4744,348 @@
           <p:cNvPr id="2" name="Title 1">
             <a:extLst>
               <a:ext uri="{FF2B5EF4-FFF2-40B4-BE49-F238E27FC236}">
+                <a16:creationId xmlns:a16="http://schemas.microsoft.com/office/drawing/2014/main" id="{C5E8972D-19AF-4770-965A-06EA79781A2B}"/>
+              </a:ext>
+            </a:extLst>
+          </p:cNvPr>
+          <p:cNvSpPr>
+            <a:spLocks noGrp="1"/>
+          </p:cNvSpPr>
+          <p:nvPr>
+            <p:ph type="title"/>
+          </p:nvPr>
+        </p:nvSpPr>
+        <p:spPr/>
+        <p:txBody>
+          <a:bodyPr/>
+          <a:lstStyle/>
+          <a:p>
+            <a:r>
+              <a:rPr lang="en-US" dirty="0">
+                <a:solidFill>
+                  <a:schemeClr val="accent5">
+                    <a:lumMod val="50000"/>
+                  </a:schemeClr>
+                </a:solidFill>
+              </a:rPr>
+              <a:t>Google Cloud Deployment</a:t>
+            </a:r>
+          </a:p>
+        </p:txBody>
+      </p:sp>
+      <p:sp>
+        <p:nvSpPr>
+          <p:cNvPr id="3" name="Content Placeholder 2">
+            <a:extLst>
+              <a:ext uri="{FF2B5EF4-FFF2-40B4-BE49-F238E27FC236}">
+                <a16:creationId xmlns:a16="http://schemas.microsoft.com/office/drawing/2014/main" id="{247EFD57-A438-4A13-8DBA-921614D65879}"/>
+              </a:ext>
+            </a:extLst>
+          </p:cNvPr>
+          <p:cNvSpPr>
+            <a:spLocks noGrp="1"/>
+          </p:cNvSpPr>
+          <p:nvPr>
+            <p:ph idx="1"/>
+          </p:nvPr>
+        </p:nvSpPr>
+        <p:spPr/>
+        <p:txBody>
+          <a:bodyPr>
+            <a:normAutofit/>
+          </a:bodyPr>
+          <a:lstStyle/>
+          <a:p>
+            <a:r>
+              <a:rPr lang="en-US" dirty="0">
+                <a:solidFill>
+                  <a:schemeClr val="accent5">
+                    <a:lumMod val="50000"/>
+                  </a:schemeClr>
+                </a:solidFill>
+              </a:rPr>
+              <a:t>Step by step guide</a:t>
+            </a:r>
+          </a:p>
+          <a:p>
+            <a:endParaRPr lang="en-US" dirty="0">
+              <a:solidFill>
+                <a:schemeClr val="accent5">
+                  <a:lumMod val="50000"/>
+                </a:schemeClr>
+              </a:solidFill>
+            </a:endParaRPr>
+          </a:p>
+        </p:txBody>
+      </p:sp>
+    </p:spTree>
+    <p:extLst>
+      <p:ext uri="{BB962C8B-B14F-4D97-AF65-F5344CB8AC3E}">
+        <p14:creationId xmlns:p14="http://schemas.microsoft.com/office/powerpoint/2010/main" val="227450761"/>
+      </p:ext>
+    </p:extLst>
+  </p:cSld>
+  <p:clrMapOvr>
+    <a:masterClrMapping/>
+  </p:clrMapOvr>
+</p:sld>
+</file>
+
+<file path=ppt/slides/slide14.xml><?xml version="1.0" encoding="utf-8"?>
+<p:sld xmlns:a="http://schemas.openxmlformats.org/drawingml/2006/main" xmlns:r="http://schemas.openxmlformats.org/officeDocument/2006/relationships" xmlns:p="http://schemas.openxmlformats.org/presentationml/2006/main">
+  <p:cSld>
+    <p:spTree>
+      <p:nvGrpSpPr>
+        <p:cNvPr id="1" name=""/>
+        <p:cNvGrpSpPr/>
+        <p:nvPr/>
+      </p:nvGrpSpPr>
+      <p:grpSpPr>
+        <a:xfrm>
+          <a:off x="0" y="0"/>
+          <a:ext cx="0" cy="0"/>
+          <a:chOff x="0" y="0"/>
+          <a:chExt cx="0" cy="0"/>
+        </a:xfrm>
+      </p:grpSpPr>
+      <p:sp>
+        <p:nvSpPr>
+          <p:cNvPr id="2" name="Title 1">
+            <a:extLst>
+              <a:ext uri="{FF2B5EF4-FFF2-40B4-BE49-F238E27FC236}">
+                <a16:creationId xmlns:a16="http://schemas.microsoft.com/office/drawing/2014/main" id="{C5E8972D-19AF-4770-965A-06EA79781A2B}"/>
+              </a:ext>
+            </a:extLst>
+          </p:cNvPr>
+          <p:cNvSpPr>
+            <a:spLocks noGrp="1"/>
+          </p:cNvSpPr>
+          <p:nvPr>
+            <p:ph type="title"/>
+          </p:nvPr>
+        </p:nvSpPr>
+        <p:spPr/>
+        <p:txBody>
+          <a:bodyPr/>
+          <a:lstStyle/>
+          <a:p>
+            <a:r>
+              <a:rPr lang="en-US" dirty="0">
+                <a:solidFill>
+                  <a:schemeClr val="accent5">
+                    <a:lumMod val="50000"/>
+                  </a:schemeClr>
+                </a:solidFill>
+              </a:rPr>
+              <a:t>Microsoft Azure Deployment</a:t>
+            </a:r>
+          </a:p>
+        </p:txBody>
+      </p:sp>
+      <p:sp>
+        <p:nvSpPr>
+          <p:cNvPr id="3" name="Content Placeholder 2">
+            <a:extLst>
+              <a:ext uri="{FF2B5EF4-FFF2-40B4-BE49-F238E27FC236}">
+                <a16:creationId xmlns:a16="http://schemas.microsoft.com/office/drawing/2014/main" id="{247EFD57-A438-4A13-8DBA-921614D65879}"/>
+              </a:ext>
+            </a:extLst>
+          </p:cNvPr>
+          <p:cNvSpPr>
+            <a:spLocks noGrp="1"/>
+          </p:cNvSpPr>
+          <p:nvPr>
+            <p:ph idx="1"/>
+          </p:nvPr>
+        </p:nvSpPr>
+        <p:spPr/>
+        <p:txBody>
+          <a:bodyPr>
+            <a:normAutofit/>
+          </a:bodyPr>
+          <a:lstStyle/>
+          <a:p>
+            <a:r>
+              <a:rPr lang="en-US" dirty="0">
+                <a:solidFill>
+                  <a:schemeClr val="accent5">
+                    <a:lumMod val="50000"/>
+                  </a:schemeClr>
+                </a:solidFill>
+              </a:rPr>
+              <a:t>Step by step guide</a:t>
+            </a:r>
+          </a:p>
+          <a:p>
+            <a:endParaRPr lang="en-US" dirty="0">
+              <a:solidFill>
+                <a:schemeClr val="accent5">
+                  <a:lumMod val="50000"/>
+                </a:schemeClr>
+              </a:solidFill>
+            </a:endParaRPr>
+          </a:p>
+        </p:txBody>
+      </p:sp>
+    </p:spTree>
+    <p:extLst>
+      <p:ext uri="{BB962C8B-B14F-4D97-AF65-F5344CB8AC3E}">
+        <p14:creationId xmlns:p14="http://schemas.microsoft.com/office/powerpoint/2010/main" val="2550126580"/>
+      </p:ext>
+    </p:extLst>
+  </p:cSld>
+  <p:clrMapOvr>
+    <a:masterClrMapping/>
+  </p:clrMapOvr>
+</p:sld>
+</file>
+
+<file path=ppt/slides/slide15.xml><?xml version="1.0" encoding="utf-8"?>
+<p:sld xmlns:a="http://schemas.openxmlformats.org/drawingml/2006/main" xmlns:r="http://schemas.openxmlformats.org/officeDocument/2006/relationships" xmlns:p="http://schemas.openxmlformats.org/presentationml/2006/main">
+  <p:cSld>
+    <p:spTree>
+      <p:nvGrpSpPr>
+        <p:cNvPr id="1" name=""/>
+        <p:cNvGrpSpPr/>
+        <p:nvPr/>
+      </p:nvGrpSpPr>
+      <p:grpSpPr>
+        <a:xfrm>
+          <a:off x="0" y="0"/>
+          <a:ext cx="0" cy="0"/>
+          <a:chOff x="0" y="0"/>
+          <a:chExt cx="0" cy="0"/>
+        </a:xfrm>
+      </p:grpSpPr>
+      <p:sp>
+        <p:nvSpPr>
+          <p:cNvPr id="2" name="Title 1">
+            <a:extLst>
+              <a:ext uri="{FF2B5EF4-FFF2-40B4-BE49-F238E27FC236}">
+                <a16:creationId xmlns:a16="http://schemas.microsoft.com/office/drawing/2014/main" id="{C5E8972D-19AF-4770-965A-06EA79781A2B}"/>
+              </a:ext>
+            </a:extLst>
+          </p:cNvPr>
+          <p:cNvSpPr>
+            <a:spLocks noGrp="1"/>
+          </p:cNvSpPr>
+          <p:nvPr>
+            <p:ph type="title"/>
+          </p:nvPr>
+        </p:nvSpPr>
+        <p:spPr/>
+        <p:txBody>
+          <a:bodyPr/>
+          <a:lstStyle/>
+          <a:p>
+            <a:r>
+              <a:rPr lang="en-US" dirty="0">
+                <a:solidFill>
+                  <a:schemeClr val="accent5">
+                    <a:lumMod val="50000"/>
+                  </a:schemeClr>
+                </a:solidFill>
+              </a:rPr>
+              <a:t>Conclusion</a:t>
+            </a:r>
+          </a:p>
+        </p:txBody>
+      </p:sp>
+      <p:sp>
+        <p:nvSpPr>
+          <p:cNvPr id="3" name="Content Placeholder 2">
+            <a:extLst>
+              <a:ext uri="{FF2B5EF4-FFF2-40B4-BE49-F238E27FC236}">
+                <a16:creationId xmlns:a16="http://schemas.microsoft.com/office/drawing/2014/main" id="{247EFD57-A438-4A13-8DBA-921614D65879}"/>
+              </a:ext>
+            </a:extLst>
+          </p:cNvPr>
+          <p:cNvSpPr>
+            <a:spLocks noGrp="1"/>
+          </p:cNvSpPr>
+          <p:nvPr>
+            <p:ph idx="1"/>
+          </p:nvPr>
+        </p:nvSpPr>
+        <p:spPr/>
+        <p:txBody>
+          <a:bodyPr>
+            <a:normAutofit/>
+          </a:bodyPr>
+          <a:lstStyle/>
+          <a:p>
+            <a:r>
+              <a:rPr lang="en-US" dirty="0">
+                <a:solidFill>
+                  <a:schemeClr val="accent5">
+                    <a:lumMod val="50000"/>
+                  </a:schemeClr>
+                </a:solidFill>
+              </a:rPr>
+              <a:t>Create your pretrained model</a:t>
+            </a:r>
+          </a:p>
+          <a:p>
+            <a:r>
+              <a:rPr lang="en-US" dirty="0">
+                <a:solidFill>
+                  <a:schemeClr val="accent5">
+                    <a:lumMod val="50000"/>
+                  </a:schemeClr>
+                </a:solidFill>
+              </a:rPr>
+              <a:t>Convert your model to valid formats (TF.JS and TF Lite)</a:t>
+            </a:r>
+          </a:p>
+          <a:p>
+            <a:r>
+              <a:rPr lang="en-US" dirty="0">
+                <a:solidFill>
+                  <a:schemeClr val="accent5">
+                    <a:lumMod val="50000"/>
+                  </a:schemeClr>
+                </a:solidFill>
+              </a:rPr>
+              <a:t>Deploy full model to the clouds (Azure and Google)</a:t>
+            </a:r>
+          </a:p>
+        </p:txBody>
+      </p:sp>
+    </p:spTree>
+    <p:extLst>
+      <p:ext uri="{BB962C8B-B14F-4D97-AF65-F5344CB8AC3E}">
+        <p14:creationId xmlns:p14="http://schemas.microsoft.com/office/powerpoint/2010/main" val="2148422421"/>
+      </p:ext>
+    </p:extLst>
+  </p:cSld>
+  <p:clrMapOvr>
+    <a:masterClrMapping/>
+  </p:clrMapOvr>
+</p:sld>
+</file>
+
+<file path=ppt/slides/slide16.xml><?xml version="1.0" encoding="utf-8"?>
+<p:sld xmlns:a="http://schemas.openxmlformats.org/drawingml/2006/main" xmlns:r="http://schemas.openxmlformats.org/officeDocument/2006/relationships" xmlns:p="http://schemas.openxmlformats.org/presentationml/2006/main">
+  <p:cSld>
+    <p:spTree>
+      <p:nvGrpSpPr>
+        <p:cNvPr id="1" name=""/>
+        <p:cNvGrpSpPr/>
+        <p:nvPr/>
+      </p:nvGrpSpPr>
+      <p:grpSpPr>
+        <a:xfrm>
+          <a:off x="0" y="0"/>
+          <a:ext cx="0" cy="0"/>
+          <a:chOff x="0" y="0"/>
+          <a:chExt cx="0" cy="0"/>
+        </a:xfrm>
+      </p:grpSpPr>
+      <p:sp>
+        <p:nvSpPr>
+          <p:cNvPr id="2" name="Title 1">
+            <a:extLst>
+              <a:ext uri="{FF2B5EF4-FFF2-40B4-BE49-F238E27FC236}">
                 <a16:creationId xmlns:a16="http://schemas.microsoft.com/office/drawing/2014/main" id="{8E184895-4B3D-4D82-9AF9-B36996CDB0D5}"/>
               </a:ext>
             </a:extLst>
@@ -4541,7 +5180,7 @@
 </p:sld>
 </file>
 
-<file path=ppt/slides/slide14.xml><?xml version="1.0" encoding="utf-8"?>
+<file path=ppt/slides/slide17.xml><?xml version="1.0" encoding="utf-8"?>
 <p:sld xmlns:a="http://schemas.openxmlformats.org/drawingml/2006/main" xmlns:r="http://schemas.openxmlformats.org/officeDocument/2006/relationships" xmlns:p="http://schemas.openxmlformats.org/presentationml/2006/main">
   <p:cSld>
     <p:spTree>
@@ -6154,159 +6793,6 @@
               </a:rPr>
               <a:t>CreateTFLite.ipynb</a:t>
             </a:r>
-            <a:endParaRPr lang="en-US" dirty="0">
-              <a:solidFill>
-                <a:srgbClr val="FF0000"/>
-              </a:solidFill>
-            </a:endParaRPr>
-          </a:p>
-          <a:p>
-            <a:endParaRPr lang="en-US" dirty="0">
-              <a:solidFill>
-                <a:schemeClr val="accent5">
-                  <a:lumMod val="50000"/>
-                </a:schemeClr>
-              </a:solidFill>
-            </a:endParaRPr>
-          </a:p>
-          <a:p>
-            <a:r>
-              <a:rPr lang="en-US" dirty="0">
-                <a:solidFill>
-                  <a:schemeClr val="accent5">
-                    <a:lumMod val="50000"/>
-                  </a:schemeClr>
-                </a:solidFill>
-              </a:rPr>
-              <a:t>Import TensorFlow Lite Interpreter ONLY</a:t>
-            </a:r>
-          </a:p>
-          <a:p>
-            <a:r>
-              <a:rPr lang="en-US" dirty="0" err="1">
-                <a:solidFill>
-                  <a:schemeClr val="accent5">
-                    <a:lumMod val="50000"/>
-                  </a:schemeClr>
-                </a:solidFill>
-              </a:rPr>
-              <a:t>build.gradle</a:t>
-            </a:r>
-            <a:endParaRPr lang="en-US" dirty="0">
-              <a:solidFill>
-                <a:schemeClr val="accent5">
-                  <a:lumMod val="50000"/>
-                </a:schemeClr>
-              </a:solidFill>
-            </a:endParaRPr>
-          </a:p>
-          <a:p>
-            <a:pPr lvl="1"/>
-            <a:r>
-              <a:rPr lang="en-US" dirty="0">
-                <a:solidFill>
-                  <a:schemeClr val="accent5">
-                    <a:lumMod val="50000"/>
-                  </a:schemeClr>
-                </a:solidFill>
-              </a:rPr>
-              <a:t>Don’t compress </a:t>
-            </a:r>
-            <a:r>
-              <a:rPr lang="en-US" dirty="0" err="1">
-                <a:solidFill>
-                  <a:schemeClr val="accent5">
-                    <a:lumMod val="50000"/>
-                  </a:schemeClr>
-                </a:solidFill>
-              </a:rPr>
-              <a:t>tflite</a:t>
-            </a:r>
-            <a:endParaRPr lang="en-US" dirty="0">
-              <a:solidFill>
-                <a:schemeClr val="accent5">
-                  <a:lumMod val="50000"/>
-                </a:schemeClr>
-              </a:solidFill>
-            </a:endParaRPr>
-          </a:p>
-          <a:p>
-            <a:pPr lvl="1"/>
-            <a:r>
-              <a:rPr lang="en-US" dirty="0">
-                <a:solidFill>
-                  <a:schemeClr val="accent5">
-                    <a:lumMod val="50000"/>
-                  </a:schemeClr>
-                </a:solidFill>
-              </a:rPr>
-              <a:t>Add </a:t>
-            </a:r>
-            <a:r>
-              <a:rPr lang="en-US" dirty="0" err="1">
-                <a:solidFill>
-                  <a:schemeClr val="accent5">
-                    <a:lumMod val="50000"/>
-                  </a:schemeClr>
-                </a:solidFill>
-              </a:rPr>
-              <a:t>tensorflow</a:t>
-            </a:r>
-            <a:r>
-              <a:rPr lang="en-US" dirty="0">
-                <a:solidFill>
-                  <a:schemeClr val="accent5">
-                    <a:lumMod val="50000"/>
-                  </a:schemeClr>
-                </a:solidFill>
-              </a:rPr>
-              <a:t>-lite dependency</a:t>
-            </a:r>
-          </a:p>
-          <a:p>
-            <a:r>
-              <a:rPr lang="en-US" dirty="0">
-                <a:solidFill>
-                  <a:srgbClr val="FF0000"/>
-                </a:solidFill>
-              </a:rPr>
-              <a:t>Demo: </a:t>
-            </a:r>
-            <a:r>
-              <a:rPr lang="en-US" dirty="0" err="1">
-                <a:solidFill>
-                  <a:srgbClr val="FF0000"/>
-                </a:solidFill>
-              </a:rPr>
-              <a:t>UsingYourModels</a:t>
-            </a:r>
-            <a:r>
-              <a:rPr lang="en-US" dirty="0">
-                <a:solidFill>
-                  <a:srgbClr val="FF0000"/>
-                </a:solidFill>
-              </a:rPr>
-              <a:t>/KCDC/Android </a:t>
-            </a:r>
-            <a:r>
-              <a:rPr lang="en-US" dirty="0" err="1">
-                <a:solidFill>
-                  <a:srgbClr val="FF0000"/>
-                </a:solidFill>
-              </a:rPr>
-              <a:t>build.gradle</a:t>
-            </a:r>
-            <a:r>
-              <a:rPr lang="en-US" dirty="0">
-                <a:solidFill>
-                  <a:srgbClr val="FF0000"/>
-                </a:solidFill>
-              </a:rPr>
-              <a:t> MainActivity.java</a:t>
-            </a:r>
-          </a:p>
-          <a:p>
-            <a:pPr lvl="1"/>
             <a:endParaRPr lang="en-US" dirty="0">
               <a:solidFill>
                 <a:schemeClr val="accent5">

--- a/UsingYourModels/DL-KCDC.pptx
+++ b/UsingYourModels/DL-KCDC.pptx
@@ -4804,7 +4804,89 @@
                   </a:schemeClr>
                 </a:solidFill>
               </a:rPr>
-              <a:t>Step by step guide</a:t>
+              <a:t>Create Project</a:t>
+            </a:r>
+          </a:p>
+          <a:p>
+            <a:r>
+              <a:rPr lang="en-US" dirty="0">
+                <a:solidFill>
+                  <a:schemeClr val="accent5">
+                    <a:lumMod val="50000"/>
+                  </a:schemeClr>
+                </a:solidFill>
+              </a:rPr>
+              <a:t>Create Cloud Storage Bucket</a:t>
+            </a:r>
+          </a:p>
+          <a:p>
+            <a:pPr lvl="1"/>
+            <a:r>
+              <a:rPr lang="en-US" dirty="0">
+                <a:solidFill>
+                  <a:schemeClr val="accent5">
+                    <a:lumMod val="50000"/>
+                  </a:schemeClr>
+                </a:solidFill>
+              </a:rPr>
+              <a:t>Upload </a:t>
+            </a:r>
+            <a:r>
+              <a:rPr lang="en-US" dirty="0" err="1">
+                <a:solidFill>
+                  <a:schemeClr val="accent5">
+                    <a:lumMod val="50000"/>
+                  </a:schemeClr>
+                </a:solidFill>
+              </a:rPr>
+              <a:t>SavedModel</a:t>
+            </a:r>
+            <a:r>
+              <a:rPr lang="en-US" dirty="0">
+                <a:solidFill>
+                  <a:schemeClr val="accent5">
+                    <a:lumMod val="50000"/>
+                  </a:schemeClr>
+                </a:solidFill>
+              </a:rPr>
+              <a:t> files</a:t>
+            </a:r>
+          </a:p>
+          <a:p>
+            <a:r>
+              <a:rPr lang="en-US" dirty="0">
+                <a:solidFill>
+                  <a:schemeClr val="accent5">
+                    <a:lumMod val="50000"/>
+                  </a:schemeClr>
+                </a:solidFill>
+              </a:rPr>
+              <a:t>Create model in AI Platform </a:t>
+            </a:r>
+          </a:p>
+          <a:p>
+            <a:pPr lvl="1"/>
+            <a:r>
+              <a:rPr lang="en-US" dirty="0">
+                <a:solidFill>
+                  <a:schemeClr val="accent5">
+                    <a:lumMod val="50000"/>
+                  </a:schemeClr>
+                </a:solidFill>
+              </a:rPr>
+              <a:t>This takes a while</a:t>
+            </a:r>
+          </a:p>
+          <a:p>
+            <a:r>
+              <a:rPr lang="en-US" dirty="0">
+                <a:solidFill>
+                  <a:schemeClr val="accent5">
+                    <a:lumMod val="50000"/>
+                  </a:schemeClr>
+                </a:solidFill>
+              </a:rPr>
+              <a:t>Test &amp; Use</a:t>
             </a:r>
           </a:p>
           <a:p>
@@ -4816,8 +4898,56 @@
               </a:solidFill>
             </a:endParaRPr>
           </a:p>
-        </p:txBody>
-      </p:sp>
+          <a:p>
+            <a:endParaRPr lang="en-US" dirty="0">
+              <a:solidFill>
+                <a:schemeClr val="accent5">
+                  <a:lumMod val="50000"/>
+                </a:schemeClr>
+              </a:solidFill>
+            </a:endParaRPr>
+          </a:p>
+          <a:p>
+            <a:endParaRPr lang="en-US" dirty="0">
+              <a:solidFill>
+                <a:schemeClr val="accent5">
+                  <a:lumMod val="50000"/>
+                </a:schemeClr>
+              </a:solidFill>
+            </a:endParaRPr>
+          </a:p>
+        </p:txBody>
+      </p:sp>
+      <p:pic>
+        <p:nvPicPr>
+          <p:cNvPr id="5" name="Picture 4">
+            <a:extLst>
+              <a:ext uri="{FF2B5EF4-FFF2-40B4-BE49-F238E27FC236}">
+                <a16:creationId xmlns:a16="http://schemas.microsoft.com/office/drawing/2014/main" id="{4D3F7ECC-1726-8156-3A4A-40A6C36ADE88}"/>
+              </a:ext>
+            </a:extLst>
+          </p:cNvPr>
+          <p:cNvPicPr>
+            <a:picLocks noChangeAspect="1"/>
+          </p:cNvPicPr>
+          <p:nvPr/>
+        </p:nvPicPr>
+        <p:blipFill>
+          <a:blip r:embed="rId2"/>
+          <a:stretch>
+            <a:fillRect/>
+          </a:stretch>
+        </p:blipFill>
+        <p:spPr>
+          <a:xfrm>
+            <a:off x="5905500" y="1353344"/>
+            <a:ext cx="6286500" cy="5295900"/>
+          </a:xfrm>
+          <a:prstGeom prst="rect">
+            <a:avLst/>
+          </a:prstGeom>
+        </p:spPr>
+      </p:pic>
     </p:spTree>
     <p:extLst>
       <p:ext uri="{BB962C8B-B14F-4D97-AF65-F5344CB8AC3E}">

--- a/UsingYourModels/DL-KCDC.pptx
+++ b/UsingYourModels/DL-KCDC.pptx
@@ -216,7 +216,7 @@
           <a:p>
             <a:fld id="{B234A0A9-D2B9-4D21-8054-CE3E8EA3318B}" type="datetimeFigureOut">
               <a:rPr lang="en-US" smtClean="0"/>
-              <a:t>8/2/2022</a:t>
+              <a:t>8/3/2022</a:t>
             </a:fld>
             <a:endParaRPr lang="en-US"/>
           </a:p>
@@ -798,7 +798,7 @@
           <a:p>
             <a:fld id="{0BDAA80A-DCF6-416C-B4E9-4897677234EE}" type="datetimeFigureOut">
               <a:rPr lang="en-US" smtClean="0"/>
-              <a:t>8/2/2022</a:t>
+              <a:t>8/3/2022</a:t>
             </a:fld>
             <a:endParaRPr lang="en-US"/>
           </a:p>
@@ -996,7 +996,7 @@
           <a:p>
             <a:fld id="{0BDAA80A-DCF6-416C-B4E9-4897677234EE}" type="datetimeFigureOut">
               <a:rPr lang="en-US" smtClean="0"/>
-              <a:t>8/2/2022</a:t>
+              <a:t>8/3/2022</a:t>
             </a:fld>
             <a:endParaRPr lang="en-US"/>
           </a:p>
@@ -1204,7 +1204,7 @@
           <a:p>
             <a:fld id="{0BDAA80A-DCF6-416C-B4E9-4897677234EE}" type="datetimeFigureOut">
               <a:rPr lang="en-US" smtClean="0"/>
-              <a:t>8/2/2022</a:t>
+              <a:t>8/3/2022</a:t>
             </a:fld>
             <a:endParaRPr lang="en-US"/>
           </a:p>
@@ -1402,7 +1402,7 @@
           <a:p>
             <a:fld id="{0BDAA80A-DCF6-416C-B4E9-4897677234EE}" type="datetimeFigureOut">
               <a:rPr lang="en-US" smtClean="0"/>
-              <a:t>8/2/2022</a:t>
+              <a:t>8/3/2022</a:t>
             </a:fld>
             <a:endParaRPr lang="en-US"/>
           </a:p>
@@ -1677,7 +1677,7 @@
           <a:p>
             <a:fld id="{0BDAA80A-DCF6-416C-B4E9-4897677234EE}" type="datetimeFigureOut">
               <a:rPr lang="en-US" smtClean="0"/>
-              <a:t>8/2/2022</a:t>
+              <a:t>8/3/2022</a:t>
             </a:fld>
             <a:endParaRPr lang="en-US"/>
           </a:p>
@@ -1942,7 +1942,7 @@
           <a:p>
             <a:fld id="{0BDAA80A-DCF6-416C-B4E9-4897677234EE}" type="datetimeFigureOut">
               <a:rPr lang="en-US" smtClean="0"/>
-              <a:t>8/2/2022</a:t>
+              <a:t>8/3/2022</a:t>
             </a:fld>
             <a:endParaRPr lang="en-US"/>
           </a:p>
@@ -2354,7 +2354,7 @@
           <a:p>
             <a:fld id="{0BDAA80A-DCF6-416C-B4E9-4897677234EE}" type="datetimeFigureOut">
               <a:rPr lang="en-US" smtClean="0"/>
-              <a:t>8/2/2022</a:t>
+              <a:t>8/3/2022</a:t>
             </a:fld>
             <a:endParaRPr lang="en-US"/>
           </a:p>
@@ -2495,7 +2495,7 @@
           <a:p>
             <a:fld id="{0BDAA80A-DCF6-416C-B4E9-4897677234EE}" type="datetimeFigureOut">
               <a:rPr lang="en-US" smtClean="0"/>
-              <a:t>8/2/2022</a:t>
+              <a:t>8/3/2022</a:t>
             </a:fld>
             <a:endParaRPr lang="en-US"/>
           </a:p>
@@ -2608,7 +2608,7 @@
           <a:p>
             <a:fld id="{0BDAA80A-DCF6-416C-B4E9-4897677234EE}" type="datetimeFigureOut">
               <a:rPr lang="en-US" smtClean="0"/>
-              <a:t>8/2/2022</a:t>
+              <a:t>8/3/2022</a:t>
             </a:fld>
             <a:endParaRPr lang="en-US"/>
           </a:p>
@@ -2919,7 +2919,7 @@
           <a:p>
             <a:fld id="{0BDAA80A-DCF6-416C-B4E9-4897677234EE}" type="datetimeFigureOut">
               <a:rPr lang="en-US" smtClean="0"/>
-              <a:t>8/2/2022</a:t>
+              <a:t>8/3/2022</a:t>
             </a:fld>
             <a:endParaRPr lang="en-US"/>
           </a:p>
@@ -3207,7 +3207,7 @@
           <a:p>
             <a:fld id="{0BDAA80A-DCF6-416C-B4E9-4897677234EE}" type="datetimeFigureOut">
               <a:rPr lang="en-US" smtClean="0"/>
-              <a:t>8/2/2022</a:t>
+              <a:t>8/3/2022</a:t>
             </a:fld>
             <a:endParaRPr lang="en-US"/>
           </a:p>
@@ -3448,7 +3448,7 @@
           <a:p>
             <a:fld id="{0BDAA80A-DCF6-416C-B4E9-4897677234EE}" type="datetimeFigureOut">
               <a:rPr lang="en-US" smtClean="0"/>
-              <a:t>8/2/2022</a:t>
+              <a:t>8/3/2022</a:t>
             </a:fld>
             <a:endParaRPr lang="en-US"/>
           </a:p>
@@ -5043,7 +5043,58 @@
                   </a:schemeClr>
                 </a:solidFill>
               </a:rPr>
-              <a:t>Step by step guide</a:t>
+              <a:t>Create “Azure Machine Learning”</a:t>
+            </a:r>
+          </a:p>
+          <a:p>
+            <a:r>
+              <a:rPr lang="en-US" dirty="0">
+                <a:solidFill>
+                  <a:schemeClr val="accent5">
+                    <a:lumMod val="50000"/>
+                  </a:schemeClr>
+                </a:solidFill>
+              </a:rPr>
+              <a:t>Launch “Azure Machine Learning Studio”</a:t>
+            </a:r>
+          </a:p>
+          <a:p>
+            <a:pPr lvl="1"/>
+            <a:r>
+              <a:rPr lang="en-US" dirty="0">
+                <a:solidFill>
+                  <a:schemeClr val="accent5">
+                    <a:lumMod val="50000"/>
+                  </a:schemeClr>
+                </a:solidFill>
+              </a:rPr>
+              <a:t>Register Model</a:t>
+            </a:r>
+          </a:p>
+          <a:p>
+            <a:pPr lvl="1"/>
+            <a:r>
+              <a:rPr lang="en-US" dirty="0">
+                <a:solidFill>
+                  <a:schemeClr val="accent5">
+                    <a:lumMod val="50000"/>
+                  </a:schemeClr>
+                </a:solidFill>
+              </a:rPr>
+              <a:t>Deploy to real time endpoint</a:t>
+            </a:r>
+          </a:p>
+          <a:p>
+            <a:pPr lvl="2"/>
+            <a:r>
+              <a:rPr lang="en-US" dirty="0">
+                <a:solidFill>
+                  <a:schemeClr val="accent5">
+                    <a:lumMod val="50000"/>
+                  </a:schemeClr>
+                </a:solidFill>
+              </a:rPr>
+              <a:t>Attach score.py</a:t>
             </a:r>
           </a:p>
           <a:p>
@@ -5057,6 +5108,36 @@
           </a:p>
         </p:txBody>
       </p:sp>
+      <p:pic>
+        <p:nvPicPr>
+          <p:cNvPr id="5" name="Picture 4">
+            <a:extLst>
+              <a:ext uri="{FF2B5EF4-FFF2-40B4-BE49-F238E27FC236}">
+                <a16:creationId xmlns:a16="http://schemas.microsoft.com/office/drawing/2014/main" id="{C682ABA8-27C7-EDA3-ECB8-40703E885EFE}"/>
+              </a:ext>
+            </a:extLst>
+          </p:cNvPr>
+          <p:cNvPicPr>
+            <a:picLocks noChangeAspect="1"/>
+          </p:cNvPicPr>
+          <p:nvPr/>
+        </p:nvPicPr>
+        <p:blipFill>
+          <a:blip r:embed="rId2"/>
+          <a:stretch>
+            <a:fillRect/>
+          </a:stretch>
+        </p:blipFill>
+        <p:spPr>
+          <a:xfrm>
+            <a:off x="3954163" y="3617090"/>
+            <a:ext cx="7878590" cy="2875785"/>
+          </a:xfrm>
+          <a:prstGeom prst="rect">
+            <a:avLst/>
+          </a:prstGeom>
+        </p:spPr>
+      </p:pic>
     </p:spTree>
     <p:extLst>
       <p:ext uri="{BB962C8B-B14F-4D97-AF65-F5344CB8AC3E}">
@@ -5882,7 +5963,12 @@
             <p:ph idx="1"/>
           </p:nvPr>
         </p:nvSpPr>
-        <p:spPr/>
+        <p:spPr>
+          <a:xfrm>
+            <a:off x="838200" y="1825625"/>
+            <a:ext cx="7527324" cy="4351338"/>
+          </a:xfrm>
+        </p:spPr>
         <p:txBody>
           <a:bodyPr>
             <a:normAutofit/>
@@ -5917,7 +6003,7 @@
                   </a:schemeClr>
                 </a:solidFill>
               </a:rPr>
-              <a:t>35% discount code (all products): ctwnecode22</a:t>
+              <a:t>35% discount code (all products): ctwkcdc22</a:t>
             </a:r>
           </a:p>
           <a:p>
@@ -5931,8 +6017,18 @@
                 </a:solidFill>
                 <a:hlinkClick r:id="rId3"/>
               </a:rPr>
-              <a:t>http://mng.bz/PnRP</a:t>
-            </a:r>
+              <a:t>http://mng.bz/WMa4</a:t>
+            </a:r>
+            <a:endParaRPr lang="en-US" dirty="0">
+              <a:solidFill>
+                <a:schemeClr val="accent5">
+                  <a:lumMod val="50000"/>
+                </a:schemeClr>
+              </a:solidFill>
+            </a:endParaRPr>
+          </a:p>
+          <a:p>
+            <a:pPr lvl="1"/>
             <a:endParaRPr lang="en-US" dirty="0">
               <a:solidFill>
                 <a:schemeClr val="accent5">
@@ -5983,7 +6079,7 @@
         </p:blipFill>
         <p:spPr>
           <a:xfrm>
-            <a:off x="8088527" y="2529273"/>
+            <a:off x="9226057" y="1434607"/>
             <a:ext cx="2514600" cy="3257550"/>
           </a:xfrm>
           <a:prstGeom prst="rect">
@@ -6075,6 +6171,36 @@
           <a:xfrm>
             <a:off x="4852858" y="4131318"/>
             <a:ext cx="1714500" cy="2247900"/>
+          </a:xfrm>
+          <a:prstGeom prst="rect">
+            <a:avLst/>
+          </a:prstGeom>
+        </p:spPr>
+      </p:pic>
+      <p:pic>
+        <p:nvPicPr>
+          <p:cNvPr id="6" name="Picture 5">
+            <a:extLst>
+              <a:ext uri="{FF2B5EF4-FFF2-40B4-BE49-F238E27FC236}">
+                <a16:creationId xmlns:a16="http://schemas.microsoft.com/office/drawing/2014/main" id="{5CF95699-0C0E-FB7D-6622-0CDBD5177C66}"/>
+              </a:ext>
+            </a:extLst>
+          </p:cNvPr>
+          <p:cNvPicPr>
+            <a:picLocks noChangeAspect="1"/>
+          </p:cNvPicPr>
+          <p:nvPr/>
+        </p:nvPicPr>
+        <p:blipFill>
+          <a:blip r:embed="rId8"/>
+          <a:stretch>
+            <a:fillRect/>
+          </a:stretch>
+        </p:blipFill>
+        <p:spPr>
+          <a:xfrm>
+            <a:off x="6867652" y="4159852"/>
+            <a:ext cx="2029817" cy="2017111"/>
           </a:xfrm>
           <a:prstGeom prst="rect">
             <a:avLst/>
